--- a/Learning to (Learn at Test Time) RNNs with Expressive Hidden States/Learning to (Learn at Test Time) RNNs with Expressive Hidden States.pptx
+++ b/Learning to (Learn at Test Time) RNNs with Expressive Hidden States/Learning to (Learn at Test Time) RNNs with Expressive Hidden States.pptx
@@ -225,7 +225,7 @@
               <a:pPr lvl="0">
                 <a:defRPr/>
               </a:pPr>
-              <a:t>2024-11-04</a:t>
+              <a:t>2024-11-05</a:t>
             </a:fld>
             <a:endParaRPr lang="ko-KR" altLang="en-US"/>
           </a:p>
@@ -1179,51 +1179,82 @@
               <a:rPr lang="en-US" altLang="ko-KR" dirty="0" err="1"/>
               <a:t>xt</a:t>
             </a:r>
+            <a:endParaRPr lang="en-US" altLang="ko-KR" dirty="0"/>
+          </a:p>
+          <a:p>
+            <a:r>
+              <a:rPr lang="en-US" altLang="ko-KR" b="1" dirty="0"/>
+              <a:t>Projection </a:t>
+            </a:r>
+            <a:r>
+              <a:rPr lang="ko-KR" altLang="en-US" b="1" dirty="0"/>
+              <a:t>모듈</a:t>
+            </a:r>
             <a:r>
               <a:rPr lang="ko-KR" altLang="en-US" dirty="0"/>
-              <a:t>가 </a:t>
-            </a:r>
-            <a:r>
-              <a:rPr lang="ko-KR" altLang="en-US" dirty="0" err="1"/>
-              <a:t>프로젝션</a:t>
+              <a:t>은 입력 </a:t>
+            </a:r>
+            <a:r>
+              <a:rPr lang="en-US" altLang="ko-KR" dirty="0" err="1"/>
+              <a:t>xt</a:t>
+            </a:r>
+            <a:r>
+              <a:rPr lang="en-US" altLang="ko-KR" dirty="0"/>
+              <a:t>​</a:t>
             </a:r>
             <a:r>
               <a:rPr lang="ko-KR" altLang="en-US" dirty="0"/>
-              <a:t> 모듈을 통해 차원이 변환되고</a:t>
+              <a:t>를 필요한 차원으로 변환하고</a:t>
             </a:r>
             <a:r>
               <a:rPr lang="en-US" altLang="ko-KR" dirty="0"/>
-              <a:t>, </a:t>
+              <a:t>, Selection Mechanism (</a:t>
             </a:r>
             <a:r>
               <a:rPr lang="ko-KR" altLang="en-US" dirty="0"/>
-              <a:t>선택 메커니즘을 거쳐 필요한 정보가 선별됩니다</a:t>
+              <a:t>선택 메커니즘</a:t>
             </a:r>
             <a:r>
               <a:rPr lang="en-US" altLang="ko-KR" dirty="0"/>
-              <a:t>.</a:t>
-            </a:r>
-          </a:p>
-          <a:p>
+              <a:t>)</a:t>
+            </a:r>
+            <a:r>
+              <a:rPr lang="ko-KR" altLang="en-US" dirty="0"/>
+              <a:t>과 함께 입력 정보의 중요도를 평가</a:t>
+            </a:r>
+            <a:endParaRPr lang="en-US" altLang="ko-KR" dirty="0"/>
+          </a:p>
+          <a:p>
+            <a:r>
+              <a:rPr lang="ko-KR" altLang="en-US" dirty="0"/>
+              <a:t>선택된 입력 변환 행렬 </a:t>
+            </a:r>
             <a:r>
               <a:rPr lang="en-US" altLang="ko-KR" dirty="0" err="1"/>
               <a:t>Bt</a:t>
             </a:r>
             <a:r>
+              <a:rPr lang="ko-KR" altLang="en-US" dirty="0"/>
+              <a:t>는 입력 </a:t>
+            </a:r>
+            <a:r>
+              <a:rPr lang="en-US" altLang="ko-KR" dirty="0" err="1"/>
+              <a:t>xt</a:t>
+            </a:r>
+            <a:r>
               <a:rPr lang="en-US" altLang="ko-KR" dirty="0"/>
               <a:t>​</a:t>
             </a:r>
             <a:r>
               <a:rPr lang="ko-KR" altLang="en-US" dirty="0"/>
-              <a:t>와 </a:t>
-            </a:r>
-            <a:r>
-              <a:rPr lang="en-US" altLang="ko-KR" dirty="0"/>
-              <a:t>Ct</a:t>
-            </a:r>
+              <a:t>가 현재 상태에 미치는 영향을 조절</a:t>
+            </a:r>
+            <a:endParaRPr lang="en-US" altLang="ko-KR" dirty="0"/>
+          </a:p>
+          <a:p>
             <a:r>
               <a:rPr lang="ko-KR" altLang="en-US" dirty="0"/>
-              <a:t>는 선택된 입력 정보를 상태 행렬 </a:t>
+              <a:t>상태 전이 행렬 </a:t>
             </a:r>
             <a:r>
               <a:rPr lang="en-US" altLang="ko-KR" dirty="0"/>
@@ -1231,41 +1262,50 @@
             </a:r>
             <a:r>
               <a:rPr lang="ko-KR" altLang="en-US" dirty="0"/>
-              <a:t>와 결합하여 처리합니다</a:t>
+              <a:t>는 이전 상태 </a:t>
             </a:r>
             <a:r>
               <a:rPr lang="en-US" altLang="ko-KR" dirty="0"/>
-              <a:t>.</a:t>
-            </a:r>
-          </a:p>
-          <a:p>
-            <a:r>
-              <a:rPr lang="ko-KR" altLang="en-US" dirty="0" err="1"/>
-              <a:t>디스크리타이즈</a:t>
+              <a:t>ht−1​</a:t>
             </a:r>
             <a:r>
               <a:rPr lang="ko-KR" altLang="en-US" dirty="0"/>
-              <a:t> </a:t>
+              <a:t>에서 현재 상태 </a:t>
+            </a:r>
+            <a:r>
+              <a:rPr lang="en-US" altLang="ko-KR" dirty="0" err="1"/>
+              <a:t>ht</a:t>
+            </a:r>
+            <a:r>
+              <a:rPr lang="ko-KR" altLang="en-US" dirty="0"/>
+              <a:t>로의 변화를 정의</a:t>
+            </a:r>
+            <a:endParaRPr lang="en-US" altLang="ko-KR" dirty="0"/>
+          </a:p>
+          <a:p>
+            <a:r>
+              <a:rPr lang="en-US" altLang="ko-KR" dirty="0" err="1"/>
+              <a:t>Δt</a:t>
             </a:r>
             <a:r>
               <a:rPr lang="en-US" altLang="ko-KR" dirty="0"/>
-              <a:t>(Discretize)</a:t>
+              <a:t>*</a:t>
             </a:r>
             <a:r>
               <a:rPr lang="ko-KR" altLang="en-US" dirty="0"/>
-              <a:t>를 통해 시퀀스의 시간 단계가 설정되고</a:t>
+              <a:t>는 연속적인 시스템을 이산 시간 단계로 변환하기 위해 사용되고</a:t>
             </a:r>
             <a:r>
               <a:rPr lang="en-US" altLang="ko-KR" dirty="0"/>
-              <a:t>, </a:t>
+              <a:t>, A</a:t>
             </a:r>
             <a:r>
               <a:rPr lang="ko-KR" altLang="en-US" dirty="0"/>
-              <a:t>이 단계 간격 </a:t>
+              <a:t>와 </a:t>
             </a:r>
             <a:r>
               <a:rPr lang="en-US" altLang="ko-KR" dirty="0" err="1"/>
-              <a:t>Delta_t</a:t>
+              <a:t>Bt</a:t>
             </a:r>
             <a:r>
               <a:rPr lang="en-US" altLang="ko-KR" dirty="0"/>
@@ -1273,49 +1313,30 @@
             </a:r>
             <a:r>
               <a:rPr lang="ko-KR" altLang="en-US" dirty="0"/>
-              <a:t>에 따라 상태가 업데이트됩니다</a:t>
-            </a:r>
-            <a:r>
-              <a:rPr lang="en-US" altLang="ko-KR" dirty="0"/>
-              <a:t>.</a:t>
-            </a:r>
+              <a:t>는 선택된 이산화 규칙에 따라 이산화</a:t>
+            </a:r>
+            <a:endParaRPr lang="en-US" altLang="ko-KR" dirty="0"/>
           </a:p>
           <a:p>
             <a:r>
               <a:rPr lang="ko-KR" altLang="en-US" dirty="0"/>
-              <a:t>최종적으로 출력 </a:t>
+              <a:t>재 상태 </a:t>
+            </a:r>
+            <a:r>
+              <a:rPr lang="en-US" altLang="ko-KR" dirty="0" err="1"/>
+              <a:t>ht</a:t>
+            </a:r>
+            <a:r>
+              <a:rPr lang="ko-KR" altLang="en-US" dirty="0"/>
+              <a:t>에서 최종 출력 </a:t>
             </a:r>
             <a:r>
               <a:rPr lang="en-US" altLang="ko-KR" dirty="0" err="1"/>
               <a:t>yt</a:t>
             </a:r>
             <a:r>
-              <a:rPr lang="en-US" altLang="ko-KR" dirty="0"/>
-              <a:t>​</a:t>
-            </a:r>
-            <a:r>
               <a:rPr lang="ko-KR" altLang="en-US" dirty="0"/>
-              <a:t>가 생성되고</a:t>
-            </a:r>
-            <a:r>
-              <a:rPr lang="en-US" altLang="ko-KR" dirty="0"/>
-              <a:t>, </a:t>
-            </a:r>
-            <a:r>
-              <a:rPr lang="ko-KR" altLang="en-US" dirty="0"/>
-              <a:t>이는 다음 시점의 입력으로 사용할 수 있는 </a:t>
-            </a:r>
-            <a:r>
-              <a:rPr lang="en-US" altLang="ko-KR" dirty="0" err="1"/>
-              <a:t>ht</a:t>
-            </a:r>
-            <a:r>
-              <a:rPr lang="en-US" altLang="ko-KR" dirty="0"/>
-              <a:t>​</a:t>
-            </a:r>
-            <a:r>
-              <a:rPr lang="ko-KR" altLang="en-US" dirty="0"/>
-              <a:t>로 전달됩니다</a:t>
+              <a:t>로 변환하는 역할</a:t>
             </a:r>
           </a:p>
         </p:txBody>
@@ -2417,7 +2438,7 @@
           <a:p>
             <a:fld id="{C98425AB-0F5E-4B1B-A3F7-CE19EA6D8895}" type="datetimeFigureOut">
               <a:rPr lang="ko-KR" altLang="en-US" smtClean="0"/>
-              <a:t>2024-11-04</a:t>
+              <a:t>2024-11-05</a:t>
             </a:fld>
             <a:endParaRPr lang="ko-KR" altLang="en-US"/>
           </a:p>
@@ -2615,7 +2636,7 @@
           <a:p>
             <a:fld id="{C98425AB-0F5E-4B1B-A3F7-CE19EA6D8895}" type="datetimeFigureOut">
               <a:rPr lang="ko-KR" altLang="en-US" smtClean="0"/>
-              <a:t>2024-11-04</a:t>
+              <a:t>2024-11-05</a:t>
             </a:fld>
             <a:endParaRPr lang="ko-KR" altLang="en-US"/>
           </a:p>
@@ -2823,7 +2844,7 @@
           <a:p>
             <a:fld id="{C98425AB-0F5E-4B1B-A3F7-CE19EA6D8895}" type="datetimeFigureOut">
               <a:rPr lang="ko-KR" altLang="en-US" smtClean="0"/>
-              <a:t>2024-11-04</a:t>
+              <a:t>2024-11-05</a:t>
             </a:fld>
             <a:endParaRPr lang="ko-KR" altLang="en-US"/>
           </a:p>
@@ -3021,7 +3042,7 @@
           <a:p>
             <a:fld id="{C98425AB-0F5E-4B1B-A3F7-CE19EA6D8895}" type="datetimeFigureOut">
               <a:rPr lang="ko-KR" altLang="en-US" smtClean="0"/>
-              <a:t>2024-11-04</a:t>
+              <a:t>2024-11-05</a:t>
             </a:fld>
             <a:endParaRPr lang="ko-KR" altLang="en-US"/>
           </a:p>
@@ -3296,7 +3317,7 @@
           <a:p>
             <a:fld id="{C98425AB-0F5E-4B1B-A3F7-CE19EA6D8895}" type="datetimeFigureOut">
               <a:rPr lang="ko-KR" altLang="en-US" smtClean="0"/>
-              <a:t>2024-11-04</a:t>
+              <a:t>2024-11-05</a:t>
             </a:fld>
             <a:endParaRPr lang="ko-KR" altLang="en-US"/>
           </a:p>
@@ -3561,7 +3582,7 @@
           <a:p>
             <a:fld id="{C98425AB-0F5E-4B1B-A3F7-CE19EA6D8895}" type="datetimeFigureOut">
               <a:rPr lang="ko-KR" altLang="en-US" smtClean="0"/>
-              <a:t>2024-11-04</a:t>
+              <a:t>2024-11-05</a:t>
             </a:fld>
             <a:endParaRPr lang="ko-KR" altLang="en-US"/>
           </a:p>
@@ -3973,7 +3994,7 @@
           <a:p>
             <a:fld id="{C98425AB-0F5E-4B1B-A3F7-CE19EA6D8895}" type="datetimeFigureOut">
               <a:rPr lang="ko-KR" altLang="en-US" smtClean="0"/>
-              <a:t>2024-11-04</a:t>
+              <a:t>2024-11-05</a:t>
             </a:fld>
             <a:endParaRPr lang="ko-KR" altLang="en-US"/>
           </a:p>
@@ -4114,7 +4135,7 @@
           <a:p>
             <a:fld id="{C98425AB-0F5E-4B1B-A3F7-CE19EA6D8895}" type="datetimeFigureOut">
               <a:rPr lang="ko-KR" altLang="en-US" smtClean="0"/>
-              <a:t>2024-11-04</a:t>
+              <a:t>2024-11-05</a:t>
             </a:fld>
             <a:endParaRPr lang="ko-KR" altLang="en-US"/>
           </a:p>
@@ -4227,7 +4248,7 @@
           <a:p>
             <a:fld id="{C98425AB-0F5E-4B1B-A3F7-CE19EA6D8895}" type="datetimeFigureOut">
               <a:rPr lang="ko-KR" altLang="en-US" smtClean="0"/>
-              <a:t>2024-11-04</a:t>
+              <a:t>2024-11-05</a:t>
             </a:fld>
             <a:endParaRPr lang="ko-KR" altLang="en-US"/>
           </a:p>
@@ -4538,7 +4559,7 @@
           <a:p>
             <a:fld id="{C98425AB-0F5E-4B1B-A3F7-CE19EA6D8895}" type="datetimeFigureOut">
               <a:rPr lang="ko-KR" altLang="en-US" smtClean="0"/>
-              <a:t>2024-11-04</a:t>
+              <a:t>2024-11-05</a:t>
             </a:fld>
             <a:endParaRPr lang="ko-KR" altLang="en-US"/>
           </a:p>
@@ -4826,7 +4847,7 @@
           <a:p>
             <a:fld id="{C98425AB-0F5E-4B1B-A3F7-CE19EA6D8895}" type="datetimeFigureOut">
               <a:rPr lang="ko-KR" altLang="en-US" smtClean="0"/>
-              <a:t>2024-11-04</a:t>
+              <a:t>2024-11-05</a:t>
             </a:fld>
             <a:endParaRPr lang="ko-KR" altLang="en-US"/>
           </a:p>
@@ -5067,7 +5088,7 @@
           <a:p>
             <a:fld id="{C98425AB-0F5E-4B1B-A3F7-CE19EA6D8895}" type="datetimeFigureOut">
               <a:rPr lang="ko-KR" altLang="en-US" smtClean="0"/>
-              <a:t>2024-11-04</a:t>
+              <a:t>2024-11-05</a:t>
             </a:fld>
             <a:endParaRPr lang="ko-KR" altLang="en-US"/>
           </a:p>
@@ -7424,7 +7445,7 @@
                 </a:effectLst>
                 <a:latin typeface="Georgia" panose="02040502050405020303" pitchFamily="18" charset="0"/>
               </a:rPr>
-              <a:t>1-1. Paper abstract</a:t>
+              <a:t>1. Paper abstract</a:t>
             </a:r>
             <a:endParaRPr lang="ko-KR" altLang="en-US" i="1" dirty="0">
               <a:effectLst>

--- a/Learning to (Learn at Test Time) RNNs with Expressive Hidden States/Learning to (Learn at Test Time) RNNs with Expressive Hidden States.pptx
+++ b/Learning to (Learn at Test Time) RNNs with Expressive Hidden States/Learning to (Learn at Test Time) RNNs with Expressive Hidden States.pptx
@@ -6084,8 +6084,8 @@
         </p:blipFill>
         <p:spPr>
           <a:xfrm>
-            <a:off x="0" y="916162"/>
-            <a:ext cx="12192000" cy="5519159"/>
+            <a:off x="578656" y="1493743"/>
+            <a:ext cx="11034688" cy="4995258"/>
           </a:xfrm>
           <a:prstGeom prst="rect">
             <a:avLst/>
@@ -8173,7 +8173,7 @@
           <a:p>
             <a:r>
               <a:rPr lang="en-US" altLang="ko-KR" sz="1100" dirty="0"/>
-              <a:t>Cost: The hidden state grows with context length, resulting in an increasing per-token cost of O(t)</a:t>
+              <a:t>Cost: The hidden state grows with context length, resulting in an increasing cost per token of O(t)</a:t>
             </a:r>
           </a:p>
         </p:txBody>
